--- a/presentations/LESSON_4.pptx
+++ b/presentations/LESSON_4.pptx
@@ -116,6 +116,11 @@
       </a:defRPr>
     </a:lvl9pPr>
   </p:defaultTextStyle>
+  <p:extLst>
+    <p:ext uri="{EFAFB233-063F-42B5-8137-9DF3F51BA10A}">
+      <p15:sldGuideLst xmlns:p15="http://schemas.microsoft.com/office/powerpoint/2012/main"/>
+    </p:ext>
+  </p:extLst>
 </p:presentation>
 </file>
 
@@ -214,7 +219,7 @@
           <a:effectLst/>
           <a:extLst>
             <a:ext uri="{91240B29-F687-4f45-9708-019B960494DF}">
-              <a14:hiddenLine xmlns:a14="http://schemas.microsoft.com/office/drawing/2010/main" xmlns="" w="9525">
+              <a14:hiddenLine xmlns="" xmlns:a14="http://schemas.microsoft.com/office/drawing/2010/main" w="9525">
                 <a:solidFill>
                   <a:srgbClr val="000000"/>
                 </a:solidFill>
@@ -1724,7 +1729,7 @@
           <a:ln/>
           <a:extLst>
             <a:ext uri="{91240B29-F687-4f45-9708-019B960494DF}">
-              <a14:hiddenLine xmlns:a14="http://schemas.microsoft.com/office/drawing/2010/main" xmlns="" w="9525">
+              <a14:hiddenLine xmlns="" xmlns:a14="http://schemas.microsoft.com/office/drawing/2010/main" w="9525">
                 <a:solidFill>
                   <a:srgbClr val="000000"/>
                 </a:solidFill>
@@ -1996,7 +2001,7 @@
           <a:ln/>
           <a:extLst>
             <a:ext uri="{91240B29-F687-4f45-9708-019B960494DF}">
-              <a14:hiddenLine xmlns:a14="http://schemas.microsoft.com/office/drawing/2010/main" xmlns="" w="9525">
+              <a14:hiddenLine xmlns="" xmlns:a14="http://schemas.microsoft.com/office/drawing/2010/main" w="9525">
                 <a:solidFill>
                   <a:srgbClr val="000000"/>
                 </a:solidFill>
@@ -2276,7 +2281,7 @@
           <a:ln/>
           <a:extLst>
             <a:ext uri="{91240B29-F687-4f45-9708-019B960494DF}">
-              <a14:hiddenLine xmlns:a14="http://schemas.microsoft.com/office/drawing/2010/main" xmlns="" w="9525">
+              <a14:hiddenLine xmlns="" xmlns:a14="http://schemas.microsoft.com/office/drawing/2010/main" w="9525">
                 <a:solidFill>
                   <a:srgbClr val="000000"/>
                 </a:solidFill>
@@ -2896,7 +2901,7 @@
           <a:ln/>
           <a:extLst>
             <a:ext uri="{91240B29-F687-4f45-9708-019B960494DF}">
-              <a14:hiddenLine xmlns:a14="http://schemas.microsoft.com/office/drawing/2010/main" xmlns="" w="9525">
+              <a14:hiddenLine xmlns="" xmlns:a14="http://schemas.microsoft.com/office/drawing/2010/main" w="9525">
                 <a:solidFill>
                   <a:srgbClr val="000000"/>
                 </a:solidFill>
@@ -3232,7 +3237,7 @@
           <a:ln/>
           <a:extLst>
             <a:ext uri="{91240B29-F687-4f45-9708-019B960494DF}">
-              <a14:hiddenLine xmlns:a14="http://schemas.microsoft.com/office/drawing/2010/main" xmlns="" w="9525">
+              <a14:hiddenLine xmlns="" xmlns:a14="http://schemas.microsoft.com/office/drawing/2010/main" w="9525">
                 <a:solidFill>
                   <a:srgbClr val="000000"/>
                 </a:solidFill>
@@ -3706,7 +3711,7 @@
           <a:ln/>
           <a:extLst>
             <a:ext uri="{91240B29-F687-4f45-9708-019B960494DF}">
-              <a14:hiddenLine xmlns:a14="http://schemas.microsoft.com/office/drawing/2010/main" xmlns="" w="9525">
+              <a14:hiddenLine xmlns="" xmlns:a14="http://schemas.microsoft.com/office/drawing/2010/main" w="9525">
                 <a:solidFill>
                   <a:srgbClr val="000000"/>
                 </a:solidFill>
@@ -4129,7 +4134,7 @@
           <a:ln/>
           <a:extLst>
             <a:ext uri="{91240B29-F687-4f45-9708-019B960494DF}">
-              <a14:hiddenLine xmlns:a14="http://schemas.microsoft.com/office/drawing/2010/main" xmlns="" w="9525">
+              <a14:hiddenLine xmlns="" xmlns:a14="http://schemas.microsoft.com/office/drawing/2010/main" w="9525">
                 <a:solidFill>
                   <a:srgbClr val="000000"/>
                 </a:solidFill>
@@ -5474,13 +5479,8 @@
             </a:r>
             <a:r>
               <a:rPr lang="de-DE" dirty="0"/>
-              <a:t> </a:t>
-            </a:r>
-            <a:r>
-              <a:rPr lang="de-DE" dirty="0" err="1"/>
-              <a:t>classes</a:t>
-            </a:r>
-            <a:endParaRPr lang="de-DE" dirty="0"/>
+              <a:t> Classes</a:t>
+            </a:r>
           </a:p>
         </p:txBody>
       </p:sp>
@@ -5850,7 +5850,7 @@
             </a:r>
             <a:r>
               <a:rPr lang="de-DE" dirty="0" err="1"/>
-              <a:t>example</a:t>
+              <a:t>Example</a:t>
             </a:r>
             <a:endParaRPr lang="de-DE" dirty="0"/>
           </a:p>
@@ -6944,35 +6944,26 @@
                                   </p:childTnLst>
                                 </p:cTn>
                               </p:par>
+                            </p:childTnLst>
+                          </p:cTn>
+                        </p:par>
+                      </p:childTnLst>
+                    </p:cTn>
+                  </p:par>
+                  <p:par>
+                    <p:cTn id="19" fill="hold">
+                      <p:stCondLst>
+                        <p:cond delay="indefinite"/>
+                      </p:stCondLst>
+                      <p:childTnLst>
+                        <p:par>
+                          <p:cTn id="20" fill="hold">
+                            <p:stCondLst>
+                              <p:cond delay="0"/>
+                            </p:stCondLst>
+                            <p:childTnLst>
                               <p:par>
-                                <p:cTn id="19" presetID="1" presetClass="entr" presetSubtype="0" fill="hold" nodeType="withEffect">
-                                  <p:stCondLst>
-                                    <p:cond delay="0"/>
-                                  </p:stCondLst>
-                                  <p:childTnLst>
-                                    <p:set>
-                                      <p:cBhvr>
-                                        <p:cTn id="20" dur="1" fill="hold">
-                                          <p:stCondLst>
-                                            <p:cond delay="0"/>
-                                          </p:stCondLst>
-                                        </p:cTn>
-                                        <p:tgtEl>
-                                          <p:spTgt spid="15"/>
-                                        </p:tgtEl>
-                                        <p:attrNameLst>
-                                          <p:attrName>style.visibility</p:attrName>
-                                        </p:attrNameLst>
-                                      </p:cBhvr>
-                                      <p:to>
-                                        <p:strVal val="visible"/>
-                                      </p:to>
-                                    </p:set>
-                                  </p:childTnLst>
-                                </p:cTn>
-                              </p:par>
-                              <p:par>
-                                <p:cTn id="21" presetID="1" presetClass="entr" presetSubtype="0" fill="hold" nodeType="withEffect">
+                                <p:cTn id="21" presetID="1" presetClass="entr" presetSubtype="0" fill="hold" nodeType="clickEffect">
                                   <p:stCondLst>
                                     <p:cond delay="0"/>
                                   </p:stCondLst>
@@ -6985,7 +6976,11 @@
                                           </p:stCondLst>
                                         </p:cTn>
                                         <p:tgtEl>
-                                          <p:spTgt spid="17"/>
+                                          <p:spTgt spid="3">
+                                            <p:txEl>
+                                              <p:pRg st="2" end="2"/>
+                                            </p:txEl>
+                                          </p:spTgt>
                                         </p:tgtEl>
                                         <p:attrNameLst>
                                           <p:attrName>style.visibility</p:attrName>
@@ -7012,7 +7007,11 @@
                                           </p:stCondLst>
                                         </p:cTn>
                                         <p:tgtEl>
-                                          <p:spTgt spid="23"/>
+                                          <p:spTgt spid="3">
+                                            <p:txEl>
+                                              <p:pRg st="3" end="3"/>
+                                            </p:txEl>
+                                          </p:spTgt>
                                         </p:tgtEl>
                                         <p:attrNameLst>
                                           <p:attrName>style.visibility</p:attrName>
@@ -7034,6 +7033,363 @@
                                     <p:set>
                                       <p:cBhvr>
                                         <p:cTn id="26" dur="1" fill="hold">
+                                          <p:stCondLst>
+                                            <p:cond delay="0"/>
+                                          </p:stCondLst>
+                                        </p:cTn>
+                                        <p:tgtEl>
+                                          <p:spTgt spid="3">
+                                            <p:txEl>
+                                              <p:pRg st="4" end="4"/>
+                                            </p:txEl>
+                                          </p:spTgt>
+                                        </p:tgtEl>
+                                        <p:attrNameLst>
+                                          <p:attrName>style.visibility</p:attrName>
+                                        </p:attrNameLst>
+                                      </p:cBhvr>
+                                      <p:to>
+                                        <p:strVal val="visible"/>
+                                      </p:to>
+                                    </p:set>
+                                  </p:childTnLst>
+                                </p:cTn>
+                              </p:par>
+                              <p:par>
+                                <p:cTn id="27" presetID="1" presetClass="entr" presetSubtype="0" fill="hold" nodeType="withEffect">
+                                  <p:stCondLst>
+                                    <p:cond delay="0"/>
+                                  </p:stCondLst>
+                                  <p:childTnLst>
+                                    <p:set>
+                                      <p:cBhvr>
+                                        <p:cTn id="28" dur="1" fill="hold">
+                                          <p:stCondLst>
+                                            <p:cond delay="0"/>
+                                          </p:stCondLst>
+                                        </p:cTn>
+                                        <p:tgtEl>
+                                          <p:spTgt spid="3">
+                                            <p:txEl>
+                                              <p:pRg st="5" end="5"/>
+                                            </p:txEl>
+                                          </p:spTgt>
+                                        </p:tgtEl>
+                                        <p:attrNameLst>
+                                          <p:attrName>style.visibility</p:attrName>
+                                        </p:attrNameLst>
+                                      </p:cBhvr>
+                                      <p:to>
+                                        <p:strVal val="visible"/>
+                                      </p:to>
+                                    </p:set>
+                                  </p:childTnLst>
+                                </p:cTn>
+                              </p:par>
+                              <p:par>
+                                <p:cTn id="29" presetID="1" presetClass="entr" presetSubtype="0" fill="hold" nodeType="withEffect">
+                                  <p:stCondLst>
+                                    <p:cond delay="0"/>
+                                  </p:stCondLst>
+                                  <p:childTnLst>
+                                    <p:set>
+                                      <p:cBhvr>
+                                        <p:cTn id="30" dur="1" fill="hold">
+                                          <p:stCondLst>
+                                            <p:cond delay="0"/>
+                                          </p:stCondLst>
+                                        </p:cTn>
+                                        <p:tgtEl>
+                                          <p:spTgt spid="3">
+                                            <p:txEl>
+                                              <p:pRg st="6" end="6"/>
+                                            </p:txEl>
+                                          </p:spTgt>
+                                        </p:tgtEl>
+                                        <p:attrNameLst>
+                                          <p:attrName>style.visibility</p:attrName>
+                                        </p:attrNameLst>
+                                      </p:cBhvr>
+                                      <p:to>
+                                        <p:strVal val="visible"/>
+                                      </p:to>
+                                    </p:set>
+                                  </p:childTnLst>
+                                </p:cTn>
+                              </p:par>
+                              <p:par>
+                                <p:cTn id="31" presetID="1" presetClass="entr" presetSubtype="0" fill="hold" nodeType="withEffect">
+                                  <p:stCondLst>
+                                    <p:cond delay="0"/>
+                                  </p:stCondLst>
+                                  <p:childTnLst>
+                                    <p:set>
+                                      <p:cBhvr>
+                                        <p:cTn id="32" dur="1" fill="hold">
+                                          <p:stCondLst>
+                                            <p:cond delay="0"/>
+                                          </p:stCondLst>
+                                        </p:cTn>
+                                        <p:tgtEl>
+                                          <p:spTgt spid="3">
+                                            <p:txEl>
+                                              <p:pRg st="7" end="7"/>
+                                            </p:txEl>
+                                          </p:spTgt>
+                                        </p:tgtEl>
+                                        <p:attrNameLst>
+                                          <p:attrName>style.visibility</p:attrName>
+                                        </p:attrNameLst>
+                                      </p:cBhvr>
+                                      <p:to>
+                                        <p:strVal val="visible"/>
+                                      </p:to>
+                                    </p:set>
+                                  </p:childTnLst>
+                                </p:cTn>
+                              </p:par>
+                            </p:childTnLst>
+                          </p:cTn>
+                        </p:par>
+                      </p:childTnLst>
+                    </p:cTn>
+                  </p:par>
+                  <p:par>
+                    <p:cTn id="33" fill="hold">
+                      <p:stCondLst>
+                        <p:cond delay="indefinite"/>
+                      </p:stCondLst>
+                      <p:childTnLst>
+                        <p:par>
+                          <p:cTn id="34" fill="hold">
+                            <p:stCondLst>
+                              <p:cond delay="0"/>
+                            </p:stCondLst>
+                            <p:childTnLst>
+                              <p:par>
+                                <p:cTn id="35" presetID="1" presetClass="entr" presetSubtype="0" fill="hold" nodeType="clickEffect">
+                                  <p:stCondLst>
+                                    <p:cond delay="0"/>
+                                  </p:stCondLst>
+                                  <p:childTnLst>
+                                    <p:set>
+                                      <p:cBhvr>
+                                        <p:cTn id="36" dur="1" fill="hold">
+                                          <p:stCondLst>
+                                            <p:cond delay="0"/>
+                                          </p:stCondLst>
+                                        </p:cTn>
+                                        <p:tgtEl>
+                                          <p:spTgt spid="15"/>
+                                        </p:tgtEl>
+                                        <p:attrNameLst>
+                                          <p:attrName>style.visibility</p:attrName>
+                                        </p:attrNameLst>
+                                      </p:cBhvr>
+                                      <p:to>
+                                        <p:strVal val="visible"/>
+                                      </p:to>
+                                    </p:set>
+                                  </p:childTnLst>
+                                </p:cTn>
+                              </p:par>
+                              <p:par>
+                                <p:cTn id="37" presetID="1" presetClass="entr" presetSubtype="0" fill="hold" nodeType="withEffect">
+                                  <p:stCondLst>
+                                    <p:cond delay="0"/>
+                                  </p:stCondLst>
+                                  <p:childTnLst>
+                                    <p:set>
+                                      <p:cBhvr>
+                                        <p:cTn id="38" dur="1" fill="hold">
+                                          <p:stCondLst>
+                                            <p:cond delay="0"/>
+                                          </p:stCondLst>
+                                        </p:cTn>
+                                        <p:tgtEl>
+                                          <p:spTgt spid="17"/>
+                                        </p:tgtEl>
+                                        <p:attrNameLst>
+                                          <p:attrName>style.visibility</p:attrName>
+                                        </p:attrNameLst>
+                                      </p:cBhvr>
+                                      <p:to>
+                                        <p:strVal val="visible"/>
+                                      </p:to>
+                                    </p:set>
+                                  </p:childTnLst>
+                                </p:cTn>
+                              </p:par>
+                            </p:childTnLst>
+                          </p:cTn>
+                        </p:par>
+                      </p:childTnLst>
+                    </p:cTn>
+                  </p:par>
+                  <p:par>
+                    <p:cTn id="39" fill="hold">
+                      <p:stCondLst>
+                        <p:cond delay="indefinite"/>
+                      </p:stCondLst>
+                      <p:childTnLst>
+                        <p:par>
+                          <p:cTn id="40" fill="hold">
+                            <p:stCondLst>
+                              <p:cond delay="0"/>
+                            </p:stCondLst>
+                            <p:childTnLst>
+                              <p:par>
+                                <p:cTn id="41" presetID="1" presetClass="entr" presetSubtype="0" fill="hold" nodeType="clickEffect">
+                                  <p:stCondLst>
+                                    <p:cond delay="0"/>
+                                  </p:stCondLst>
+                                  <p:childTnLst>
+                                    <p:set>
+                                      <p:cBhvr>
+                                        <p:cTn id="42" dur="1" fill="hold">
+                                          <p:stCondLst>
+                                            <p:cond delay="0"/>
+                                          </p:stCondLst>
+                                        </p:cTn>
+                                        <p:tgtEl>
+                                          <p:spTgt spid="3">
+                                            <p:txEl>
+                                              <p:pRg st="8" end="8"/>
+                                            </p:txEl>
+                                          </p:spTgt>
+                                        </p:tgtEl>
+                                        <p:attrNameLst>
+                                          <p:attrName>style.visibility</p:attrName>
+                                        </p:attrNameLst>
+                                      </p:cBhvr>
+                                      <p:to>
+                                        <p:strVal val="visible"/>
+                                      </p:to>
+                                    </p:set>
+                                  </p:childTnLst>
+                                </p:cTn>
+                              </p:par>
+                            </p:childTnLst>
+                          </p:cTn>
+                        </p:par>
+                      </p:childTnLst>
+                    </p:cTn>
+                  </p:par>
+                  <p:par>
+                    <p:cTn id="43" fill="hold">
+                      <p:stCondLst>
+                        <p:cond delay="indefinite"/>
+                      </p:stCondLst>
+                      <p:childTnLst>
+                        <p:par>
+                          <p:cTn id="44" fill="hold">
+                            <p:stCondLst>
+                              <p:cond delay="0"/>
+                            </p:stCondLst>
+                            <p:childTnLst>
+                              <p:par>
+                                <p:cTn id="45" presetID="1" presetClass="entr" presetSubtype="0" fill="hold" nodeType="clickEffect">
+                                  <p:stCondLst>
+                                    <p:cond delay="0"/>
+                                  </p:stCondLst>
+                                  <p:childTnLst>
+                                    <p:set>
+                                      <p:cBhvr>
+                                        <p:cTn id="46" dur="1" fill="hold">
+                                          <p:stCondLst>
+                                            <p:cond delay="0"/>
+                                          </p:stCondLst>
+                                        </p:cTn>
+                                        <p:tgtEl>
+                                          <p:spTgt spid="23"/>
+                                        </p:tgtEl>
+                                        <p:attrNameLst>
+                                          <p:attrName>style.visibility</p:attrName>
+                                        </p:attrNameLst>
+                                      </p:cBhvr>
+                                      <p:to>
+                                        <p:strVal val="visible"/>
+                                      </p:to>
+                                    </p:set>
+                                  </p:childTnLst>
+                                </p:cTn>
+                              </p:par>
+                            </p:childTnLst>
+                          </p:cTn>
+                        </p:par>
+                      </p:childTnLst>
+                    </p:cTn>
+                  </p:par>
+                  <p:par>
+                    <p:cTn id="47" fill="hold">
+                      <p:stCondLst>
+                        <p:cond delay="indefinite"/>
+                      </p:stCondLst>
+                      <p:childTnLst>
+                        <p:par>
+                          <p:cTn id="48" fill="hold">
+                            <p:stCondLst>
+                              <p:cond delay="0"/>
+                            </p:stCondLst>
+                            <p:childTnLst>
+                              <p:par>
+                                <p:cTn id="49" presetID="1" presetClass="entr" presetSubtype="0" fill="hold" nodeType="clickEffect">
+                                  <p:stCondLst>
+                                    <p:cond delay="0"/>
+                                  </p:stCondLst>
+                                  <p:childTnLst>
+                                    <p:set>
+                                      <p:cBhvr>
+                                        <p:cTn id="50" dur="1" fill="hold">
+                                          <p:stCondLst>
+                                            <p:cond delay="0"/>
+                                          </p:stCondLst>
+                                        </p:cTn>
+                                        <p:tgtEl>
+                                          <p:spTgt spid="3">
+                                            <p:txEl>
+                                              <p:pRg st="9" end="9"/>
+                                            </p:txEl>
+                                          </p:spTgt>
+                                        </p:tgtEl>
+                                        <p:attrNameLst>
+                                          <p:attrName>style.visibility</p:attrName>
+                                        </p:attrNameLst>
+                                      </p:cBhvr>
+                                      <p:to>
+                                        <p:strVal val="visible"/>
+                                      </p:to>
+                                    </p:set>
+                                  </p:childTnLst>
+                                </p:cTn>
+                              </p:par>
+                            </p:childTnLst>
+                          </p:cTn>
+                        </p:par>
+                      </p:childTnLst>
+                    </p:cTn>
+                  </p:par>
+                  <p:par>
+                    <p:cTn id="51" fill="hold">
+                      <p:stCondLst>
+                        <p:cond delay="indefinite"/>
+                      </p:stCondLst>
+                      <p:childTnLst>
+                        <p:par>
+                          <p:cTn id="52" fill="hold">
+                            <p:stCondLst>
+                              <p:cond delay="0"/>
+                            </p:stCondLst>
+                            <p:childTnLst>
+                              <p:par>
+                                <p:cTn id="53" presetID="1" presetClass="entr" presetSubtype="0" fill="hold" nodeType="clickEffect">
+                                  <p:stCondLst>
+                                    <p:cond delay="0"/>
+                                  </p:stCondLst>
+                                  <p:childTnLst>
+                                    <p:set>
+                                      <p:cBhvr>
+                                        <p:cTn id="54" dur="1" fill="hold">
                                           <p:stCondLst>
                                             <p:cond delay="0"/>
                                           </p:stCondLst>
@@ -7338,16 +7694,12 @@
               <a:buAutoNum type="arabicPeriod"/>
             </a:pPr>
             <a:r>
-              <a:rPr lang="de-DE" dirty="0" err="1"/>
-              <a:t>basic</a:t>
-            </a:r>
-            <a:r>
-              <a:rPr lang="de-DE" dirty="0"/>
-              <a:t> </a:t>
-            </a:r>
-            <a:r>
-              <a:rPr lang="de-DE" dirty="0" err="1"/>
-              <a:t>concepts</a:t>
+              <a:rPr lang="de-DE" dirty="0"/>
+              <a:t>Basic </a:t>
+            </a:r>
+            <a:r>
+              <a:rPr lang="de-DE" dirty="0" err="1"/>
+              <a:t>Concepts</a:t>
             </a:r>
             <a:endParaRPr lang="de-DE" dirty="0"/>
           </a:p>
@@ -7357,10 +7709,9 @@
               <a:buAutoNum type="arabicPeriod"/>
             </a:pPr>
             <a:r>
-              <a:rPr lang="de-DE" dirty="0" err="1"/>
-              <a:t>classes</a:t>
-            </a:r>
-            <a:endParaRPr lang="de-DE" dirty="0"/>
+              <a:rPr lang="de-DE" dirty="0"/>
+              <a:t>Classes</a:t>
+            </a:r>
           </a:p>
           <a:p>
             <a:pPr lvl="1">
@@ -7368,8 +7719,33 @@
               <a:buAutoNum type="arabicPeriod"/>
             </a:pPr>
             <a:r>
-              <a:rPr lang="de-DE" dirty="0" err="1"/>
-              <a:t>objects</a:t>
+              <a:rPr lang="de-DE" dirty="0"/>
+              <a:t>Objects</a:t>
+            </a:r>
+          </a:p>
+          <a:p>
+            <a:pPr lvl="1">
+              <a:buFont typeface="+mj-lt"/>
+              <a:buAutoNum type="arabicPeriod"/>
+            </a:pPr>
+            <a:r>
+              <a:rPr lang="de-DE" dirty="0" err="1"/>
+              <a:t>Interacting</a:t>
+            </a:r>
+            <a:r>
+              <a:rPr lang="de-DE"/>
+              <a:t> Classes</a:t>
+            </a:r>
+            <a:endParaRPr lang="de-DE" dirty="0"/>
+          </a:p>
+          <a:p>
+            <a:pPr>
+              <a:buFont typeface="+mj-lt"/>
+              <a:buAutoNum type="arabicPeriod"/>
+            </a:pPr>
+            <a:r>
+              <a:rPr lang="de-DE" dirty="0" err="1"/>
+              <a:t>Inheritance</a:t>
             </a:r>
             <a:endParaRPr lang="de-DE" dirty="0"/>
           </a:p>
@@ -7439,7 +7815,12 @@
             <p:ph type="title"/>
           </p:nvPr>
         </p:nvSpPr>
-        <p:spPr/>
+        <p:spPr>
+          <a:xfrm>
+            <a:off x="321276" y="447188"/>
+            <a:ext cx="11504140" cy="970450"/>
+          </a:xfrm>
+        </p:spPr>
         <p:txBody>
           <a:bodyPr/>
           <a:lstStyle/>
@@ -7482,7 +7863,7 @@
             </a:r>
             <a:r>
               <a:rPr lang="de-DE" dirty="0"/>
-              <a:t>?</a:t>
+              <a:t> (OOP)?</a:t>
             </a:r>
           </a:p>
         </p:txBody>
@@ -7720,8 +8101,12 @@
           <a:lstStyle/>
           <a:p>
             <a:r>
-              <a:rPr lang="de-DE" dirty="0" err="1"/>
-              <a:t>example</a:t>
+              <a:rPr lang="de-DE" dirty="0"/>
+              <a:t>OOP-</a:t>
+            </a:r>
+            <a:r>
+              <a:rPr lang="de-DE" dirty="0" err="1"/>
+              <a:t>Example</a:t>
             </a:r>
             <a:endParaRPr lang="de-DE" dirty="0"/>
           </a:p>
@@ -8088,17 +8473,12 @@
             </a:r>
             <a:r>
               <a:rPr lang="de-DE" dirty="0" err="1"/>
-              <a:t>concepts</a:t>
-            </a:r>
-            <a:r>
-              <a:rPr lang="de-DE" dirty="0"/>
-              <a:t> - </a:t>
-            </a:r>
-            <a:r>
-              <a:rPr lang="de-DE" dirty="0" err="1"/>
-              <a:t>classes</a:t>
-            </a:r>
-            <a:endParaRPr lang="de-DE" dirty="0"/>
+              <a:t>Concepts</a:t>
+            </a:r>
+            <a:r>
+              <a:rPr lang="de-DE" dirty="0"/>
+              <a:t> - Classes</a:t>
+            </a:r>
           </a:p>
         </p:txBody>
       </p:sp>
@@ -9036,17 +9416,12 @@
             </a:r>
             <a:r>
               <a:rPr lang="de-DE" dirty="0" err="1"/>
-              <a:t>concepts</a:t>
-            </a:r>
-            <a:r>
-              <a:rPr lang="de-DE" dirty="0"/>
-              <a:t> - </a:t>
-            </a:r>
-            <a:r>
-              <a:rPr lang="de-DE" dirty="0" err="1"/>
-              <a:t>classes</a:t>
-            </a:r>
-            <a:endParaRPr lang="de-DE" dirty="0"/>
+              <a:t>Concepts</a:t>
+            </a:r>
+            <a:r>
+              <a:rPr lang="de-DE" dirty="0"/>
+              <a:t> - Classes</a:t>
+            </a:r>
           </a:p>
         </p:txBody>
       </p:sp>
@@ -10116,17 +10491,12 @@
             </a:r>
             <a:r>
               <a:rPr lang="de-DE" dirty="0" err="1"/>
-              <a:t>concepts</a:t>
-            </a:r>
-            <a:r>
-              <a:rPr lang="de-DE" dirty="0"/>
-              <a:t> - </a:t>
-            </a:r>
-            <a:r>
-              <a:rPr lang="de-DE" dirty="0" err="1"/>
-              <a:t>objects</a:t>
-            </a:r>
-            <a:endParaRPr lang="de-DE" dirty="0"/>
+              <a:t>Concepts</a:t>
+            </a:r>
+            <a:r>
+              <a:rPr lang="de-DE" dirty="0"/>
+              <a:t> - Objects</a:t>
+            </a:r>
           </a:p>
         </p:txBody>
       </p:sp>
@@ -10667,17 +11037,12 @@
             </a:r>
             <a:r>
               <a:rPr lang="de-DE" dirty="0" err="1"/>
-              <a:t>concepts</a:t>
-            </a:r>
-            <a:r>
-              <a:rPr lang="de-DE" dirty="0"/>
-              <a:t> - </a:t>
-            </a:r>
-            <a:r>
-              <a:rPr lang="de-DE" dirty="0" err="1"/>
-              <a:t>objects</a:t>
-            </a:r>
-            <a:endParaRPr lang="de-DE" dirty="0"/>
+              <a:t>Concepts</a:t>
+            </a:r>
+            <a:r>
+              <a:rPr lang="de-DE" dirty="0"/>
+              <a:t> - Objects</a:t>
+            </a:r>
           </a:p>
         </p:txBody>
       </p:sp>

--- a/presentations/LESSON_4.pptx
+++ b/presentations/LESSON_4.pptx
@@ -219,7 +219,7 @@
           <a:effectLst/>
           <a:extLst>
             <a:ext uri="{91240B29-F687-4f45-9708-019B960494DF}">
-              <a14:hiddenLine xmlns="" xmlns:a14="http://schemas.microsoft.com/office/drawing/2010/main" w="9525">
+              <a14:hiddenLine xmlns:a14="http://schemas.microsoft.com/office/drawing/2010/main" xmlns="" w="9525">
                 <a:solidFill>
                   <a:srgbClr val="000000"/>
                 </a:solidFill>
@@ -1729,7 +1729,7 @@
           <a:ln/>
           <a:extLst>
             <a:ext uri="{91240B29-F687-4f45-9708-019B960494DF}">
-              <a14:hiddenLine xmlns="" xmlns:a14="http://schemas.microsoft.com/office/drawing/2010/main" w="9525">
+              <a14:hiddenLine xmlns:a14="http://schemas.microsoft.com/office/drawing/2010/main" xmlns="" w="9525">
                 <a:solidFill>
                   <a:srgbClr val="000000"/>
                 </a:solidFill>
@@ -2001,7 +2001,7 @@
           <a:ln/>
           <a:extLst>
             <a:ext uri="{91240B29-F687-4f45-9708-019B960494DF}">
-              <a14:hiddenLine xmlns="" xmlns:a14="http://schemas.microsoft.com/office/drawing/2010/main" w="9525">
+              <a14:hiddenLine xmlns:a14="http://schemas.microsoft.com/office/drawing/2010/main" xmlns="" w="9525">
                 <a:solidFill>
                   <a:srgbClr val="000000"/>
                 </a:solidFill>
@@ -2281,7 +2281,7 @@
           <a:ln/>
           <a:extLst>
             <a:ext uri="{91240B29-F687-4f45-9708-019B960494DF}">
-              <a14:hiddenLine xmlns="" xmlns:a14="http://schemas.microsoft.com/office/drawing/2010/main" w="9525">
+              <a14:hiddenLine xmlns:a14="http://schemas.microsoft.com/office/drawing/2010/main" xmlns="" w="9525">
                 <a:solidFill>
                   <a:srgbClr val="000000"/>
                 </a:solidFill>
@@ -2901,7 +2901,7 @@
           <a:ln/>
           <a:extLst>
             <a:ext uri="{91240B29-F687-4f45-9708-019B960494DF}">
-              <a14:hiddenLine xmlns="" xmlns:a14="http://schemas.microsoft.com/office/drawing/2010/main" w="9525">
+              <a14:hiddenLine xmlns:a14="http://schemas.microsoft.com/office/drawing/2010/main" xmlns="" w="9525">
                 <a:solidFill>
                   <a:srgbClr val="000000"/>
                 </a:solidFill>
@@ -3237,7 +3237,7 @@
           <a:ln/>
           <a:extLst>
             <a:ext uri="{91240B29-F687-4f45-9708-019B960494DF}">
-              <a14:hiddenLine xmlns="" xmlns:a14="http://schemas.microsoft.com/office/drawing/2010/main" w="9525">
+              <a14:hiddenLine xmlns:a14="http://schemas.microsoft.com/office/drawing/2010/main" xmlns="" w="9525">
                 <a:solidFill>
                   <a:srgbClr val="000000"/>
                 </a:solidFill>
@@ -3711,7 +3711,7 @@
           <a:ln/>
           <a:extLst>
             <a:ext uri="{91240B29-F687-4f45-9708-019B960494DF}">
-              <a14:hiddenLine xmlns="" xmlns:a14="http://schemas.microsoft.com/office/drawing/2010/main" w="9525">
+              <a14:hiddenLine xmlns:a14="http://schemas.microsoft.com/office/drawing/2010/main" xmlns="" w="9525">
                 <a:solidFill>
                   <a:srgbClr val="000000"/>
                 </a:solidFill>
@@ -4134,7 +4134,7 @@
           <a:ln/>
           <a:extLst>
             <a:ext uri="{91240B29-F687-4f45-9708-019B960494DF}">
-              <a14:hiddenLine xmlns="" xmlns:a14="http://schemas.microsoft.com/office/drawing/2010/main" w="9525">
+              <a14:hiddenLine xmlns:a14="http://schemas.microsoft.com/office/drawing/2010/main" xmlns="" w="9525">
                 <a:solidFill>
                   <a:srgbClr val="000000"/>
                 </a:solidFill>
